--- a/TP6/memoria/presentacion-ppt.pptx
+++ b/TP6/memoria/presentacion-ppt.pptx
@@ -255,7 +255,7 @@
           <a:effectLst/>
           <a:extLst>
             <a:ext uri="{91240B29-F687-4f45-9708-019B960494DF}">
-              <a14:hiddenLine xmlns:a14="http://schemas.microsoft.com/office/drawing/2010/main" xmlns="" w="9525">
+              <a14:hiddenLine xmlns="" xmlns:a14="http://schemas.microsoft.com/office/drawing/2010/main" w="9525">
                 <a:solidFill>
                   <a:srgbClr val="000000"/>
                 </a:solidFill>
@@ -1777,7 +1777,7 @@
           <a:ln/>
           <a:extLst>
             <a:ext uri="{91240B29-F687-4f45-9708-019B960494DF}">
-              <a14:hiddenLine xmlns:a14="http://schemas.microsoft.com/office/drawing/2010/main" xmlns="" w="9525">
+              <a14:hiddenLine xmlns="" xmlns:a14="http://schemas.microsoft.com/office/drawing/2010/main" w="9525">
                 <a:solidFill>
                   <a:srgbClr val="000000"/>
                 </a:solidFill>
@@ -2052,7 +2052,7 @@
           <a:ln/>
           <a:extLst>
             <a:ext uri="{91240B29-F687-4f45-9708-019B960494DF}">
-              <a14:hiddenLine xmlns:a14="http://schemas.microsoft.com/office/drawing/2010/main" xmlns="" w="9525">
+              <a14:hiddenLine xmlns="" xmlns:a14="http://schemas.microsoft.com/office/drawing/2010/main" w="9525">
                 <a:solidFill>
                   <a:srgbClr val="000000"/>
                 </a:solidFill>
@@ -2335,7 +2335,7 @@
           <a:ln/>
           <a:extLst>
             <a:ext uri="{91240B29-F687-4f45-9708-019B960494DF}">
-              <a14:hiddenLine xmlns:a14="http://schemas.microsoft.com/office/drawing/2010/main" xmlns="" w="9525">
+              <a14:hiddenLine xmlns="" xmlns:a14="http://schemas.microsoft.com/office/drawing/2010/main" w="9525">
                 <a:solidFill>
                   <a:srgbClr val="000000"/>
                 </a:solidFill>
@@ -2961,7 +2961,7 @@
           <a:ln/>
           <a:extLst>
             <a:ext uri="{91240B29-F687-4f45-9708-019B960494DF}">
-              <a14:hiddenLine xmlns:a14="http://schemas.microsoft.com/office/drawing/2010/main" xmlns="" w="9525">
+              <a14:hiddenLine xmlns="" xmlns:a14="http://schemas.microsoft.com/office/drawing/2010/main" w="9525">
                 <a:solidFill>
                   <a:srgbClr val="000000"/>
                 </a:solidFill>
@@ -3300,7 +3300,7 @@
           <a:ln/>
           <a:extLst>
             <a:ext uri="{91240B29-F687-4f45-9708-019B960494DF}">
-              <a14:hiddenLine xmlns:a14="http://schemas.microsoft.com/office/drawing/2010/main" xmlns="" w="9525">
+              <a14:hiddenLine xmlns="" xmlns:a14="http://schemas.microsoft.com/office/drawing/2010/main" w="9525">
                 <a:solidFill>
                   <a:srgbClr val="000000"/>
                 </a:solidFill>
@@ -3777,7 +3777,7 @@
           <a:ln/>
           <a:extLst>
             <a:ext uri="{91240B29-F687-4f45-9708-019B960494DF}">
-              <a14:hiddenLine xmlns:a14="http://schemas.microsoft.com/office/drawing/2010/main" xmlns="" w="9525">
+              <a14:hiddenLine xmlns="" xmlns:a14="http://schemas.microsoft.com/office/drawing/2010/main" w="9525">
                 <a:solidFill>
                   <a:srgbClr val="000000"/>
                 </a:solidFill>
@@ -4206,7 +4206,7 @@
           <a:ln/>
           <a:extLst>
             <a:ext uri="{91240B29-F687-4f45-9708-019B960494DF}">
-              <a14:hiddenLine xmlns:a14="http://schemas.microsoft.com/office/drawing/2010/main" xmlns="" w="9525">
+              <a14:hiddenLine xmlns="" xmlns:a14="http://schemas.microsoft.com/office/drawing/2010/main" w="9525">
                 <a:solidFill>
                   <a:srgbClr val="000000"/>
                 </a:solidFill>
@@ -5464,12 +5464,20 @@
           <a:lstStyle/>
           <a:p>
             <a:pPr algn="ctr"/>
+            <a:r>
+              <a:rPr lang="en-ES"/>
+              <a:t/>
+            </a:r>
             <a:br>
               <a:rPr lang="en-ES"/>
             </a:br>
             <a:r>
               <a:rPr lang="en-ES"/>
               <a:t>TRABAJO PRÁCTICO 6</a:t>
+            </a:r>
+            <a:r>
+              <a:rPr lang="en-US"/>
+              <a:t/>
             </a:r>
             <a:br>
               <a:rPr lang="en-US"/>
